--- a/Intro.slides.template.pptx
+++ b/Intro.slides.template.pptx
@@ -1374,9 +1374,9 @@
           <p:nvPr/>
         </p:nvSpPr>
         <p:spPr>
-          <a:xfrm flipV="1">
-            <a:off x="0" y="6856920"/>
-            <a:ext cx="9143640" cy="45720"/>
+          <a:xfrm flipV="1" rot="10800000">
+            <a:off x="-9143280" y="6811200"/>
+            <a:ext cx="9143280" cy="45360"/>
           </a:xfrm>
           <a:prstGeom prst="rect">
             <a:avLst/>
@@ -1409,7 +1409,7 @@
         <p:spPr>
           <a:xfrm>
             <a:off x="6934320" y="71280"/>
-            <a:ext cx="2209320" cy="895320"/>
+            <a:ext cx="2208960" cy="894960"/>
           </a:xfrm>
           <a:prstGeom prst="rect">
             <a:avLst/>
@@ -1425,7 +1425,7 @@
         <p:spPr>
           <a:xfrm>
             <a:off x="152280" y="149400"/>
-            <a:ext cx="6686280" cy="733680"/>
+            <a:ext cx="6685920" cy="733320"/>
           </a:xfrm>
           <a:prstGeom prst="rect">
             <a:avLst/>
@@ -1465,7 +1465,7 @@
         <p:spPr>
           <a:xfrm>
             <a:off x="457200" y="2438280"/>
-            <a:ext cx="8229240" cy="3687840"/>
+            <a:ext cx="8228880" cy="3687480"/>
           </a:xfrm>
           <a:prstGeom prst="rect">
             <a:avLst/>
@@ -1559,7 +1559,7 @@
         <p:spPr>
           <a:xfrm>
             <a:off x="457200" y="1045800"/>
-            <a:ext cx="8229240" cy="1260360"/>
+            <a:ext cx="8228880" cy="1260000"/>
           </a:xfrm>
           <a:prstGeom prst="rect">
             <a:avLst/>
@@ -1653,7 +1653,7 @@
         <p:spPr>
           <a:xfrm>
             <a:off x="0" y="6248520"/>
-            <a:ext cx="9143640" cy="609120"/>
+            <a:ext cx="9143280" cy="608760"/>
           </a:xfrm>
           <a:prstGeom prst="rect">
             <a:avLst/>
@@ -1729,7 +1729,7 @@
         <p:spPr>
           <a:xfrm>
             <a:off x="0" y="6248520"/>
-            <a:ext cx="9143640" cy="609120"/>
+            <a:ext cx="9143280" cy="608760"/>
           </a:xfrm>
           <a:prstGeom prst="rect">
             <a:avLst/>
@@ -1762,7 +1762,7 @@
         <p:spPr>
           <a:xfrm>
             <a:off x="6934320" y="0"/>
-            <a:ext cx="2209320" cy="894960"/>
+            <a:ext cx="2208960" cy="894600"/>
           </a:xfrm>
           <a:prstGeom prst="rect">
             <a:avLst/>
@@ -1778,7 +1778,7 @@
         <p:spPr>
           <a:xfrm>
             <a:off x="152280" y="149400"/>
-            <a:ext cx="6686280" cy="733680"/>
+            <a:ext cx="6685920" cy="733320"/>
           </a:xfrm>
           <a:prstGeom prst="rect">
             <a:avLst/>
@@ -1818,7 +1818,7 @@
         <p:spPr>
           <a:xfrm>
             <a:off x="457200" y="1066320"/>
-            <a:ext cx="8229240" cy="1143000"/>
+            <a:ext cx="8228880" cy="1142640"/>
           </a:xfrm>
           <a:prstGeom prst="rect">
             <a:avLst/>
@@ -1853,7 +1853,7 @@
         <p:spPr>
           <a:xfrm>
             <a:off x="457200" y="2285640"/>
-            <a:ext cx="8229240" cy="3840120"/>
+            <a:ext cx="8228880" cy="3839760"/>
           </a:xfrm>
           <a:prstGeom prst="rect">
             <a:avLst/>
@@ -1961,7 +1961,7 @@
         <p:spPr>
           <a:xfrm>
             <a:off x="6915240" y="76320"/>
-            <a:ext cx="2209320" cy="894960"/>
+            <a:ext cx="2208960" cy="894600"/>
           </a:xfrm>
           <a:prstGeom prst="rect">
             <a:avLst/>
@@ -1977,7 +1977,7 @@
         <p:spPr>
           <a:xfrm>
             <a:off x="152280" y="149400"/>
-            <a:ext cx="6686280" cy="581040"/>
+            <a:ext cx="6685920" cy="580680"/>
           </a:xfrm>
           <a:prstGeom prst="rect">
             <a:avLst/>
@@ -2017,7 +2017,7 @@
         <p:spPr>
           <a:xfrm>
             <a:off x="533520" y="888480"/>
-            <a:ext cx="8229240" cy="1143000"/>
+            <a:ext cx="8228880" cy="1142640"/>
           </a:xfrm>
           <a:prstGeom prst="rect">
             <a:avLst/>
@@ -2052,7 +2052,7 @@
         <p:spPr>
           <a:xfrm>
             <a:off x="457200" y="2133720"/>
-            <a:ext cx="8229240" cy="4019760"/>
+            <a:ext cx="8228880" cy="4019400"/>
           </a:xfrm>
           <a:prstGeom prst="rect">
             <a:avLst/>
@@ -2162,7 +2162,7 @@
                 <a:latin typeface="Times New Roman"/>
                 <a:ea typeface="Times New Roman"/>
               </a:rPr>
-              <a:t>(1) As a user I want a dashboard so I can see all of my payments</a:t>
+              <a:t>(2) As a user I want to be able to create even split bill so I can get my money</a:t>
             </a:r>
             <a:endParaRPr/>
           </a:p>
@@ -2177,16 +2177,8 @@
                 <a:latin typeface="Times New Roman"/>
                 <a:ea typeface="Times New Roman"/>
               </a:rPr>
-              <a:t>(1) As a user I want a dashboard so I can make all of my payments</a:t>
-            </a:r>
-            <a:endParaRPr/>
-          </a:p>
-          <a:p>
-            <a:pPr>
-              <a:lnSpc>
-                <a:spcPct val="100000"/>
-              </a:lnSpc>
-            </a:pPr>
+              <a:t>(2) As a user I want to be able to create custom split bill so I can get my money</a:t>
+            </a:r>
             <a:endParaRPr/>
           </a:p>
           <a:p>
@@ -2208,7 +2200,7 @@
         <p:spPr>
           <a:xfrm>
             <a:off x="0" y="6248520"/>
-            <a:ext cx="9143640" cy="609120"/>
+            <a:ext cx="9143280" cy="608760"/>
           </a:xfrm>
           <a:prstGeom prst="rect">
             <a:avLst/>
@@ -2228,6 +2220,33 @@
       </p:sp>
     </p:spTree>
   </p:cSld>
+  <p:timing>
+    <p:tnLst>
+      <p:par>
+        <p:cTn dur="indefinite" id="5" nodeType="tmRoot" restart="never">
+          <p:childTnLst>
+            <p:seq>
+              <p:cTn id="6" nodeType="mainSeq"/>
+              <p:prevCondLst>
+                <p:cond delay="0" evt="onPrev">
+                  <p:tgtEl>
+                    <p:sldTgt/>
+                  </p:tgtEl>
+                </p:cond>
+              </p:prevCondLst>
+              <p:nextCondLst>
+                <p:cond delay="0" evt="onNext">
+                  <p:tgtEl>
+                    <p:sldTgt/>
+                  </p:tgtEl>
+                </p:cond>
+              </p:nextCondLst>
+            </p:seq>
+          </p:childTnLst>
+        </p:cTn>
+      </p:par>
+    </p:tnLst>
+  </p:timing>
 </p:sld>
 </file>
 
@@ -2263,7 +2282,7 @@
         <p:spPr>
           <a:xfrm>
             <a:off x="6915240" y="76320"/>
-            <a:ext cx="2209320" cy="894960"/>
+            <a:ext cx="2208960" cy="894600"/>
           </a:xfrm>
           <a:prstGeom prst="rect">
             <a:avLst/>
@@ -2279,7 +2298,7 @@
         <p:spPr>
           <a:xfrm>
             <a:off x="152280" y="149400"/>
-            <a:ext cx="6686280" cy="581040"/>
+            <a:ext cx="6685920" cy="580680"/>
           </a:xfrm>
           <a:prstGeom prst="rect">
             <a:avLst/>
@@ -2319,7 +2338,7 @@
         <p:spPr>
           <a:xfrm>
             <a:off x="533520" y="888480"/>
-            <a:ext cx="8229240" cy="1143000"/>
+            <a:ext cx="8228880" cy="1142640"/>
           </a:xfrm>
           <a:prstGeom prst="rect">
             <a:avLst/>
@@ -2339,7 +2358,7 @@
                 <a:latin typeface="Times New Roman"/>
                 <a:ea typeface="Times New Roman"/>
               </a:rPr>
-              <a:t>Champagne Papi’s/Debt Tracker  </a:t>
+              <a:t>Champagne Papi’s/ Split  </a:t>
             </a:r>
             <a:endParaRPr/>
           </a:p>
@@ -2354,7 +2373,7 @@
         <p:spPr>
           <a:xfrm>
             <a:off x="457200" y="2133720"/>
-            <a:ext cx="8229240" cy="4693680"/>
+            <a:ext cx="8228880" cy="4693320"/>
           </a:xfrm>
           <a:prstGeom prst="rect">
             <a:avLst/>
@@ -2389,7 +2408,7 @@
                 <a:latin typeface="Times New Roman"/>
                 <a:ea typeface="Times New Roman"/>
               </a:rPr>
-              <a:t>(2) As a user I want to be able to create even split bill so I can get my money</a:t>
+              <a:t>(1) As a user I want a dashboard so I can see all of my payments</a:t>
             </a:r>
             <a:endParaRPr/>
           </a:p>
@@ -2404,7 +2423,7 @@
                 <a:latin typeface="Times New Roman"/>
                 <a:ea typeface="Times New Roman"/>
               </a:rPr>
-              <a:t>(2) As a user I want to be able to create custom split bill so I can get my money</a:t>
+              <a:t>(1) As a user I want a dashboard so I can make all of my payments</a:t>
             </a:r>
             <a:endParaRPr/>
           </a:p>
@@ -2518,7 +2537,7 @@
         <p:spPr>
           <a:xfrm>
             <a:off x="0" y="6248520"/>
-            <a:ext cx="9143640" cy="609120"/>
+            <a:ext cx="9143280" cy="608760"/>
           </a:xfrm>
           <a:prstGeom prst="rect">
             <a:avLst/>
@@ -2538,6 +2557,33 @@
       </p:sp>
     </p:spTree>
   </p:cSld>
+  <p:timing>
+    <p:tnLst>
+      <p:par>
+        <p:cTn dur="indefinite" id="7" nodeType="tmRoot" restart="never">
+          <p:childTnLst>
+            <p:seq>
+              <p:cTn id="8" nodeType="mainSeq"/>
+              <p:prevCondLst>
+                <p:cond delay="0" evt="onPrev">
+                  <p:tgtEl>
+                    <p:sldTgt/>
+                  </p:tgtEl>
+                </p:cond>
+              </p:prevCondLst>
+              <p:nextCondLst>
+                <p:cond delay="0" evt="onNext">
+                  <p:tgtEl>
+                    <p:sldTgt/>
+                  </p:tgtEl>
+                </p:cond>
+              </p:nextCondLst>
+            </p:seq>
+          </p:childTnLst>
+        </p:cTn>
+      </p:par>
+    </p:tnLst>
+  </p:timing>
 </p:sld>
 </file>
 
@@ -2573,7 +2619,7 @@
         <p:spPr>
           <a:xfrm>
             <a:off x="6915240" y="76320"/>
-            <a:ext cx="2209320" cy="894960"/>
+            <a:ext cx="2208960" cy="894600"/>
           </a:xfrm>
           <a:prstGeom prst="rect">
             <a:avLst/>
@@ -2589,7 +2635,7 @@
         <p:spPr>
           <a:xfrm>
             <a:off x="152280" y="149400"/>
-            <a:ext cx="6686280" cy="581040"/>
+            <a:ext cx="6685920" cy="580680"/>
           </a:xfrm>
           <a:prstGeom prst="rect">
             <a:avLst/>
@@ -2629,7 +2675,7 @@
         <p:spPr>
           <a:xfrm>
             <a:off x="533520" y="888480"/>
-            <a:ext cx="8229240" cy="1143000"/>
+            <a:ext cx="8228880" cy="1142640"/>
           </a:xfrm>
           <a:prstGeom prst="rect">
             <a:avLst/>
@@ -2664,7 +2710,7 @@
         <p:spPr>
           <a:xfrm>
             <a:off x="457200" y="2133720"/>
-            <a:ext cx="8229240" cy="3992400"/>
+            <a:ext cx="8228880" cy="3992040"/>
           </a:xfrm>
           <a:prstGeom prst="rect">
             <a:avLst/>
@@ -2782,7 +2828,7 @@
         <p:spPr>
           <a:xfrm>
             <a:off x="0" y="6248520"/>
-            <a:ext cx="9143640" cy="609120"/>
+            <a:ext cx="9143280" cy="608760"/>
           </a:xfrm>
           <a:prstGeom prst="rect">
             <a:avLst/>
